--- a/code/03_quarto_factors.pptx
+++ b/code/03_quarto_factors.pptx
@@ -6,12 +6,10 @@
   </p:sldMasterIdLst>
   <p:sldIdLst>
     <p:sldId id="256" r:id="rId2"/>
-    <p:sldId id="257" r:id="rId3"/>
+    <p:sldId id="274" r:id="rId3"/>
     <p:sldId id="258" r:id="rId4"/>
-    <p:sldId id="259" r:id="rId5"/>
-    <p:sldId id="260" r:id="rId6"/>
-    <p:sldId id="273" r:id="rId7"/>
-    <p:sldId id="272" r:id="rId8"/>
+    <p:sldId id="273" r:id="rId5"/>
+    <p:sldId id="272" r:id="rId6"/>
   </p:sldIdLst>
   <p:sldSz cx="12192000" cy="6858000"/>
   <p:notesSz cx="6858000" cy="9144000"/>
@@ -283,7 +281,7 @@
           <a:p>
             <a:fld id="{5FCDCD17-B0B1-A244-9BB5-D7228F76BED7}" type="datetime3">
               <a:rPr lang="en-SG" smtClean="0"/>
-              <a:t>9 April 2023</a:t>
+              <a:t>11 April 2023</a:t>
             </a:fld>
             <a:endParaRPr lang="en-US" dirty="0"/>
           </a:p>
@@ -498,7 +496,7 @@
           <a:p>
             <a:fld id="{ADD28603-00EC-3A4D-B44A-BEF0A0F382C6}" type="datetime3">
               <a:rPr lang="en-SG" smtClean="0"/>
-              <a:t>9 April 2023</a:t>
+              <a:t>11 April 2023</a:t>
             </a:fld>
             <a:endParaRPr lang="en-US"/>
           </a:p>
@@ -829,7 +827,7 @@
           <a:p>
             <a:fld id="{E6645DC1-DD2E-5147-813A-145518F6A88E}" type="datetime3">
               <a:rPr lang="en-SG" smtClean="0"/>
-              <a:t>9 April 2023</a:t>
+              <a:t>11 April 2023</a:t>
             </a:fld>
             <a:endParaRPr lang="en-US"/>
           </a:p>
@@ -1130,7 +1128,7 @@
           <a:p>
             <a:fld id="{9CE5D27D-0906-C849-85EF-1698976BF415}" type="datetime3">
               <a:rPr lang="en-SG" smtClean="0"/>
-              <a:t>9 April 2023</a:t>
+              <a:t>11 April 2023</a:t>
             </a:fld>
             <a:endParaRPr lang="en-US"/>
           </a:p>
@@ -1585,7 +1583,7 @@
           <a:p>
             <a:fld id="{B644A007-AED7-CC4E-A6C9-9429041AE4C9}" type="datetime3">
               <a:rPr lang="en-SG" smtClean="0"/>
-              <a:t>9 April 2023</a:t>
+              <a:t>11 April 2023</a:t>
             </a:fld>
             <a:endParaRPr lang="en-US"/>
           </a:p>
@@ -1817,7 +1815,7 @@
           <a:p>
             <a:fld id="{06911E40-0033-E74E-A93D-D0B3F4840C2B}" type="datetime3">
               <a:rPr lang="en-SG" smtClean="0"/>
-              <a:t>9 April 2023</a:t>
+              <a:t>11 April 2023</a:t>
             </a:fld>
             <a:endParaRPr lang="en-US"/>
           </a:p>
@@ -1960,7 +1958,7 @@
           <a:p>
             <a:fld id="{FDD5ADF8-FB30-A140-BC76-B82B3346A618}" type="datetime3">
               <a:rPr lang="en-SG" smtClean="0"/>
-              <a:t>9 April 2023</a:t>
+              <a:t>11 April 2023</a:t>
             </a:fld>
             <a:endParaRPr lang="en-US"/>
           </a:p>
@@ -2303,7 +2301,7 @@
           <a:p>
             <a:fld id="{2EF13291-2998-1E45-BB6C-14491E304C83}" type="datetime3">
               <a:rPr lang="en-SG" smtClean="0"/>
-              <a:t>9 April 2023</a:t>
+              <a:t>11 April 2023</a:t>
             </a:fld>
             <a:endParaRPr lang="en-US"/>
           </a:p>
@@ -2622,7 +2620,7 @@
           <a:p>
             <a:fld id="{7BDC71DE-80FC-B640-A19E-6715081E17F0}" type="datetime3">
               <a:rPr lang="en-SG" smtClean="0"/>
-              <a:t>9 April 2023</a:t>
+              <a:t>11 April 2023</a:t>
             </a:fld>
             <a:endParaRPr lang="en-US"/>
           </a:p>
@@ -2901,7 +2899,7 @@
             <a:fld id="{39E2CDA4-D7DD-D048-900A-DFEB5E81218B}" type="datetime3">
               <a:rPr lang="en-SG" smtClean="0"/>
               <a:pPr/>
-              <a:t>9 April 2023</a:t>
+              <a:t>11 April 2023</a:t>
             </a:fld>
             <a:endParaRPr lang="en-US" dirty="0"/>
           </a:p>
@@ -3553,7 +3551,7 @@
           <p:cNvPr id="2" name="Title 1">
             <a:extLst>
               <a:ext uri="{FF2B5EF4-FFF2-40B4-BE49-F238E27FC236}">
-                <a16:creationId xmlns:a16="http://schemas.microsoft.com/office/drawing/2014/main" id="{FAAE8A99-ABFD-1B2F-0929-DAAADCDE7246}"/>
+                <a16:creationId xmlns:a16="http://schemas.microsoft.com/office/drawing/2014/main" id="{30A972B1-5E29-41F5-9066-B7D35996A1D7}"/>
               </a:ext>
             </a:extLst>
           </p:cNvPr>
@@ -3571,7 +3569,7 @@
           <a:p>
             <a:r>
               <a:rPr lang="en-US" dirty="0"/>
-              <a:t>Learning objectives</a:t>
+              <a:t>Quarto learning objectives</a:t>
             </a:r>
           </a:p>
         </p:txBody>
@@ -3581,7 +3579,7 @@
           <p:cNvPr id="3" name="Content Placeholder 2">
             <a:extLst>
               <a:ext uri="{FF2B5EF4-FFF2-40B4-BE49-F238E27FC236}">
-                <a16:creationId xmlns:a16="http://schemas.microsoft.com/office/drawing/2014/main" id="{69D48C75-723F-4777-A0C0-E15CC4A63D73}"/>
+                <a16:creationId xmlns:a16="http://schemas.microsoft.com/office/drawing/2014/main" id="{3C4F37B2-638C-D6F6-4A28-EEC84B074182}"/>
               </a:ext>
             </a:extLst>
           </p:cNvPr>
@@ -3592,9 +3590,16 @@
             <p:ph idx="1"/>
           </p:nvPr>
         </p:nvSpPr>
-        <p:spPr/>
-        <p:txBody>
-          <a:bodyPr/>
+        <p:spPr>
+          <a:xfrm>
+            <a:off x="838200" y="1825625"/>
+            <a:ext cx="10515600" cy="4667250"/>
+          </a:xfrm>
+        </p:spPr>
+        <p:txBody>
+          <a:bodyPr>
+            <a:normAutofit fontScale="92500" lnSpcReduction="10000"/>
+          </a:bodyPr>
           <a:lstStyle/>
           <a:p>
             <a:pPr marL="0" indent="0">
@@ -3608,19 +3613,56 @@
           <a:p>
             <a:r>
               <a:rPr lang="en-US" dirty="0"/>
-              <a:t>Quarto publishing system</a:t>
+              <a:t>How to create and knit a Quarto document containing code and free text</a:t>
             </a:r>
           </a:p>
           <a:p>
             <a:r>
               <a:rPr lang="en-US" dirty="0"/>
-              <a:t>RStudio interface for writing documents</a:t>
-            </a:r>
-          </a:p>
-          <a:p>
+              <a:t>How to output documents to multiple formats including HTML, PDF, Word, </a:t>
+            </a:r>
+            <a:r>
+              <a:rPr lang="en-US" dirty="0" err="1"/>
+              <a:t>powerpoint</a:t>
+            </a:r>
             <a:r>
               <a:rPr lang="en-US" dirty="0"/>
-              <a:t>Workflow for creating reports in HTML, DOCX, and PDF formats</a:t>
+              <a:t> and </a:t>
+            </a:r>
+            <a:r>
+              <a:rPr lang="en-US" dirty="0" err="1"/>
+              <a:t>flexdashboards</a:t>
+            </a:r>
+            <a:endParaRPr lang="en-US" dirty="0"/>
+          </a:p>
+          <a:p>
+            <a:r>
+              <a:rPr lang="en-US" dirty="0"/>
+              <a:t>Basic markdown syntax</a:t>
+            </a:r>
+          </a:p>
+          <a:p>
+            <a:r>
+              <a:rPr lang="en-US" dirty="0"/>
+              <a:t>R code chunk options, including eval, echo and message</a:t>
+            </a:r>
+          </a:p>
+          <a:p>
+            <a:r>
+              <a:rPr lang="en-US" dirty="0"/>
+              <a:t>In-line R code</a:t>
+            </a:r>
+          </a:p>
+          <a:p>
+            <a:r>
+              <a:rPr lang="en-US" dirty="0"/>
+              <a:t>Some useful packages for table formatting</a:t>
+            </a:r>
+          </a:p>
+          <a:p>
+            <a:r>
+              <a:rPr lang="en-US" dirty="0"/>
+              <a:t>How to use {here} package to force Quarto files to use the project folder as the working directory</a:t>
             </a:r>
           </a:p>
           <a:p>
@@ -3628,19 +3670,13 @@
               <a:rPr lang="en-US" dirty="0"/>
               <a:t>How to work with factors</a:t>
             </a:r>
-          </a:p>
-          <a:p>
-            <a:endParaRPr lang="en-US" dirty="0"/>
-          </a:p>
-          <a:p>
-            <a:endParaRPr lang="en-US" dirty="0"/>
           </a:p>
         </p:txBody>
       </p:sp>
     </p:spTree>
     <p:extLst>
       <p:ext uri="{BB962C8B-B14F-4D97-AF65-F5344CB8AC3E}">
-        <p14:creationId xmlns:p14="http://schemas.microsoft.com/office/powerpoint/2010/main" val="1686571500"/>
+        <p14:creationId xmlns:p14="http://schemas.microsoft.com/office/powerpoint/2010/main" val="2563677825"/>
       </p:ext>
     </p:extLst>
   </p:cSld>
@@ -3787,279 +3823,6 @@
           <p:cNvPr id="2" name="Title 1">
             <a:extLst>
               <a:ext uri="{FF2B5EF4-FFF2-40B4-BE49-F238E27FC236}">
-                <a16:creationId xmlns:a16="http://schemas.microsoft.com/office/drawing/2014/main" id="{65176069-58D1-339A-3C34-5940FE38FE28}"/>
-              </a:ext>
-            </a:extLst>
-          </p:cNvPr>
-          <p:cNvSpPr>
-            <a:spLocks noGrp="1"/>
-          </p:cNvSpPr>
-          <p:nvPr>
-            <p:ph type="title"/>
-          </p:nvPr>
-        </p:nvSpPr>
-        <p:spPr/>
-        <p:txBody>
-          <a:bodyPr/>
-          <a:lstStyle/>
-          <a:p>
-            <a:r>
-              <a:rPr lang="en-US" dirty="0"/>
-              <a:t>Why Quarto?</a:t>
-            </a:r>
-          </a:p>
-        </p:txBody>
-      </p:sp>
-      <p:sp>
-        <p:nvSpPr>
-          <p:cNvPr id="3" name="Content Placeholder 2">
-            <a:extLst>
-              <a:ext uri="{FF2B5EF4-FFF2-40B4-BE49-F238E27FC236}">
-                <a16:creationId xmlns:a16="http://schemas.microsoft.com/office/drawing/2014/main" id="{B769753E-CC80-41C7-F968-D66697B9AB54}"/>
-              </a:ext>
-            </a:extLst>
-          </p:cNvPr>
-          <p:cNvSpPr>
-            <a:spLocks noGrp="1"/>
-          </p:cNvSpPr>
-          <p:nvPr>
-            <p:ph idx="1"/>
-          </p:nvPr>
-        </p:nvSpPr>
-        <p:spPr/>
-        <p:txBody>
-          <a:bodyPr/>
-          <a:lstStyle/>
-          <a:p>
-            <a:r>
-              <a:rPr lang="en-US" dirty="0"/>
-              <a:t>Dynamic documents</a:t>
-            </a:r>
-          </a:p>
-          <a:p>
-            <a:pPr lvl="1"/>
-            <a:r>
-              <a:rPr lang="en-US" dirty="0"/>
-              <a:t>Create reproducible documents that can be regenerated when underlying assumptions or data change.</a:t>
-            </a:r>
-          </a:p>
-          <a:p>
-            <a:r>
-              <a:rPr lang="en-US" dirty="0"/>
-              <a:t>Beautiful publications</a:t>
-            </a:r>
-          </a:p>
-          <a:p>
-            <a:pPr lvl="1"/>
-            <a:r>
-              <a:rPr lang="en-SG" dirty="0"/>
-              <a:t>Publish high-quality articles, reports, presentations, websites, and books in HTML, PDF, MS Word, </a:t>
-            </a:r>
-            <a:r>
-              <a:rPr lang="en-SG" dirty="0" err="1"/>
-              <a:t>ePub</a:t>
-            </a:r>
-            <a:r>
-              <a:rPr lang="en-SG" dirty="0"/>
-              <a:t>, and more. Use a single source document to target multiple formats.</a:t>
-            </a:r>
-          </a:p>
-          <a:p>
-            <a:r>
-              <a:rPr lang="en-US" dirty="0"/>
-              <a:t>Scientific Markdown</a:t>
-            </a:r>
-          </a:p>
-          <a:p>
-            <a:pPr lvl="1"/>
-            <a:r>
-              <a:rPr lang="en-SG" dirty="0" err="1"/>
-              <a:t>andoc</a:t>
-            </a:r>
-            <a:r>
-              <a:rPr lang="en-SG" dirty="0"/>
-              <a:t> markdown has excellent support for LaTeX equations and citations.</a:t>
-            </a:r>
-            <a:endParaRPr lang="en-US" dirty="0"/>
-          </a:p>
-          <a:p>
-            <a:r>
-              <a:rPr lang="en-US" dirty="0"/>
-              <a:t>Authoring tools</a:t>
-            </a:r>
-          </a:p>
-          <a:p>
-            <a:pPr lvl="1"/>
-            <a:r>
-              <a:rPr lang="en-US" dirty="0"/>
-              <a:t>Supported by </a:t>
-            </a:r>
-            <a:r>
-              <a:rPr lang="en-SG" dirty="0"/>
-              <a:t>VS Code, RStudio, </a:t>
-            </a:r>
-            <a:r>
-              <a:rPr lang="en-SG" dirty="0" err="1"/>
-              <a:t>Jupyter</a:t>
-            </a:r>
-            <a:r>
-              <a:rPr lang="en-SG" dirty="0"/>
-              <a:t> Lab, or any text editor.</a:t>
-            </a:r>
-            <a:endParaRPr lang="en-US" dirty="0"/>
-          </a:p>
-        </p:txBody>
-      </p:sp>
-    </p:spTree>
-    <p:extLst>
-      <p:ext uri="{BB962C8B-B14F-4D97-AF65-F5344CB8AC3E}">
-        <p14:creationId xmlns:p14="http://schemas.microsoft.com/office/powerpoint/2010/main" val="1603398824"/>
-      </p:ext>
-    </p:extLst>
-  </p:cSld>
-  <p:clrMapOvr>
-    <a:masterClrMapping/>
-  </p:clrMapOvr>
-</p:sld>
-</file>
-
-<file path=ppt/slides/slide5.xml><?xml version="1.0" encoding="utf-8"?>
-<p:sld xmlns:a="http://schemas.openxmlformats.org/drawingml/2006/main" xmlns:r="http://schemas.openxmlformats.org/officeDocument/2006/relationships" xmlns:p="http://schemas.openxmlformats.org/presentationml/2006/main">
-  <p:cSld>
-    <p:spTree>
-      <p:nvGrpSpPr>
-        <p:cNvPr id="1" name=""/>
-        <p:cNvGrpSpPr/>
-        <p:nvPr/>
-      </p:nvGrpSpPr>
-      <p:grpSpPr>
-        <a:xfrm>
-          <a:off x="0" y="0"/>
-          <a:ext cx="0" cy="0"/>
-          <a:chOff x="0" y="0"/>
-          <a:chExt cx="0" cy="0"/>
-        </a:xfrm>
-      </p:grpSpPr>
-      <p:sp>
-        <p:nvSpPr>
-          <p:cNvPr id="2" name="Title 1">
-            <a:extLst>
-              <a:ext uri="{FF2B5EF4-FFF2-40B4-BE49-F238E27FC236}">
-                <a16:creationId xmlns:a16="http://schemas.microsoft.com/office/drawing/2014/main" id="{73EB0F82-2801-C11E-D05D-ED98536D2400}"/>
-              </a:ext>
-            </a:extLst>
-          </p:cNvPr>
-          <p:cNvSpPr>
-            <a:spLocks noGrp="1"/>
-          </p:cNvSpPr>
-          <p:nvPr>
-            <p:ph type="title"/>
-          </p:nvPr>
-        </p:nvSpPr>
-        <p:spPr/>
-        <p:txBody>
-          <a:bodyPr/>
-          <a:lstStyle/>
-          <a:p>
-            <a:r>
-              <a:rPr lang="en-US" dirty="0"/>
-              <a:t>Why Quarto?</a:t>
-            </a:r>
-          </a:p>
-        </p:txBody>
-      </p:sp>
-      <p:sp>
-        <p:nvSpPr>
-          <p:cNvPr id="3" name="Content Placeholder 2">
-            <a:extLst>
-              <a:ext uri="{FF2B5EF4-FFF2-40B4-BE49-F238E27FC236}">
-                <a16:creationId xmlns:a16="http://schemas.microsoft.com/office/drawing/2014/main" id="{97078F2C-FF87-9B41-5864-CC9A498FDF81}"/>
-              </a:ext>
-            </a:extLst>
-          </p:cNvPr>
-          <p:cNvSpPr>
-            <a:spLocks noGrp="1"/>
-          </p:cNvSpPr>
-          <p:nvPr>
-            <p:ph idx="1"/>
-          </p:nvPr>
-        </p:nvSpPr>
-        <p:spPr/>
-        <p:txBody>
-          <a:bodyPr/>
-          <a:lstStyle/>
-          <a:p>
-            <a:r>
-              <a:rPr lang="en-US" dirty="0"/>
-              <a:t>Interactivity</a:t>
-            </a:r>
-          </a:p>
-          <a:p>
-            <a:pPr lvl="1"/>
-            <a:r>
-              <a:rPr lang="en-SG" dirty="0"/>
-              <a:t>Engage readers by adding interactive data exploration</a:t>
-            </a:r>
-          </a:p>
-          <a:p>
-            <a:r>
-              <a:rPr lang="en-SG" dirty="0"/>
-              <a:t>Websites and books</a:t>
-            </a:r>
-          </a:p>
-          <a:p>
-            <a:pPr lvl="1"/>
-            <a:r>
-              <a:rPr lang="en-SG" dirty="0"/>
-              <a:t>Publish collections of documents as a blog or full website. Create books and manuscripts in both print formats (PDF and MS Word) and online formats (HTML and </a:t>
-            </a:r>
-            <a:r>
-              <a:rPr lang="en-SG" dirty="0" err="1"/>
-              <a:t>ePub</a:t>
-            </a:r>
-            <a:r>
-              <a:rPr lang="en-SG" dirty="0"/>
-              <a:t>).</a:t>
-            </a:r>
-            <a:endParaRPr lang="en-US" dirty="0"/>
-          </a:p>
-        </p:txBody>
-      </p:sp>
-    </p:spTree>
-    <p:extLst>
-      <p:ext uri="{BB962C8B-B14F-4D97-AF65-F5344CB8AC3E}">
-        <p14:creationId xmlns:p14="http://schemas.microsoft.com/office/powerpoint/2010/main" val="2364620607"/>
-      </p:ext>
-    </p:extLst>
-  </p:cSld>
-  <p:clrMapOvr>
-    <a:masterClrMapping/>
-  </p:clrMapOvr>
-</p:sld>
-</file>
-
-<file path=ppt/slides/slide6.xml><?xml version="1.0" encoding="utf-8"?>
-<p:sld xmlns:a="http://schemas.openxmlformats.org/drawingml/2006/main" xmlns:r="http://schemas.openxmlformats.org/officeDocument/2006/relationships" xmlns:p="http://schemas.openxmlformats.org/presentationml/2006/main">
-  <p:cSld>
-    <p:spTree>
-      <p:nvGrpSpPr>
-        <p:cNvPr id="1" name=""/>
-        <p:cNvGrpSpPr/>
-        <p:nvPr/>
-      </p:nvGrpSpPr>
-      <p:grpSpPr>
-        <a:xfrm>
-          <a:off x="0" y="0"/>
-          <a:ext cx="0" cy="0"/>
-          <a:chOff x="0" y="0"/>
-          <a:chExt cx="0" cy="0"/>
-        </a:xfrm>
-      </p:grpSpPr>
-      <p:sp>
-        <p:nvSpPr>
-          <p:cNvPr id="2" name="Title 1">
-            <a:extLst>
-              <a:ext uri="{FF2B5EF4-FFF2-40B4-BE49-F238E27FC236}">
                 <a16:creationId xmlns:a16="http://schemas.microsoft.com/office/drawing/2014/main" id="{C77E5486-C36F-071E-1562-F0AAB628E938}"/>
               </a:ext>
             </a:extLst>
@@ -4121,7 +3884,7 @@
 </p:sld>
 </file>
 
-<file path=ppt/slides/slide7.xml><?xml version="1.0" encoding="utf-8"?>
+<file path=ppt/slides/slide5.xml><?xml version="1.0" encoding="utf-8"?>
 <p:sld xmlns:a="http://schemas.openxmlformats.org/drawingml/2006/main" xmlns:r="http://schemas.openxmlformats.org/officeDocument/2006/relationships" xmlns:p="http://schemas.openxmlformats.org/presentationml/2006/main">
   <p:cSld>
     <p:spTree>
